--- a/powerpoints/ITU Academy Slides AM4-14.pptx
+++ b/powerpoints/ITU Academy Slides AM4-14.pptx
@@ -11,6 +11,7 @@
     <p:sldId id="256" r:id="rId8"/>
     <p:sldId id="257" r:id="rId9"/>
     <p:sldId id="258" r:id="rId10"/>
+    <p:sldId id="259" r:id="rId11"/>
   </p:sldIdLst>
   <p:sldSz cx="9144000" cy="6858000"/>
   <p:notesSz cx="6858000" cy="9144000"/>
@@ -3282,17 +3283,6 @@
 <file path=ppt/slides/slide3.xml><?xml version="1.0" encoding="utf-8"?>
 <p:sld xmlns:a="http://schemas.openxmlformats.org/drawingml/2006/main" xmlns:r="http://schemas.openxmlformats.org/officeDocument/2006/relationships" xmlns:p="http://schemas.openxmlformats.org/presentationml/2006/main" showMasterSp="1" showMasterPhAnim="1">
   <p:cSld>
-    <p:bg>
-      <p:bgPr>
-        <a:blipFill rotWithShape="1">
-          <a:blip r:embed="rId2"/>
-          <a:srcRect l="0" t="0" r="0" b="0"/>
-          <a:stretch>
-            <a:fillRect/>
-          </a:stretch>
-        </a:blipFill>
-      </p:bgPr>
-    </p:bg>
     <p:spTree>
       <p:nvGrpSpPr>
         <p:cNvPr id="1" name=""/>
@@ -3307,6 +3297,174 @@
           <a:chExt cx="0" cy="0"/>
         </a:xfrm>
       </p:grpSpPr>
+      <p:sp>
+        <p:nvSpPr>
+          <p:cNvPr id="119" name="Group Work Presentations"/>
+          <p:cNvSpPr txBox="1"/>
+          <p:nvPr>
+            <p:ph type="title"/>
+          </p:nvPr>
+        </p:nvSpPr>
+        <p:spPr>
+          <a:prstGeom prst="rect">
+            <a:avLst/>
+          </a:prstGeom>
+        </p:spPr>
+        <p:txBody>
+          <a:bodyPr/>
+          <a:lstStyle/>
+          <a:p>
+            <a:pPr/>
+            <a:r>
+              <a:t>Group Work Presentations</a:t>
+            </a:r>
+          </a:p>
+        </p:txBody>
+      </p:sp>
+      <p:sp>
+        <p:nvSpPr>
+          <p:cNvPr id="120" name="What was your target? Why?…"/>
+          <p:cNvSpPr txBox="1"/>
+          <p:nvPr>
+            <p:ph type="body" idx="1"/>
+          </p:nvPr>
+        </p:nvSpPr>
+        <p:spPr>
+          <a:xfrm>
+            <a:off x="457200" y="1600200"/>
+            <a:ext cx="8229600" cy="4878884"/>
+          </a:xfrm>
+          <a:prstGeom prst="rect">
+            <a:avLst/>
+          </a:prstGeom>
+        </p:spPr>
+        <p:txBody>
+          <a:bodyPr/>
+          <a:lstStyle/>
+          <a:p>
+            <a:pPr/>
+            <a:r>
+              <a:t>What was your target? Why?</a:t>
+            </a:r>
+          </a:p>
+          <a:p>
+            <a:pPr/>
+            <a:r>
+              <a:t>What was the plan, workflow, division of work?</a:t>
+            </a:r>
+          </a:p>
+          <a:p>
+            <a:pPr/>
+            <a:r>
+              <a:t>What were the resources you used: datasets, frameworks, libraries, script examples?</a:t>
+            </a:r>
+          </a:p>
+          <a:p>
+            <a:pPr/>
+            <a:r>
+              <a:t>How did the work go: what went according to plan and what did not?</a:t>
+            </a:r>
+          </a:p>
+          <a:p>
+            <a:pPr/>
+            <a:r>
+              <a:t>Evaluation: results, lessons learned, open questions, work ahead</a:t>
+            </a:r>
+          </a:p>
+        </p:txBody>
+      </p:sp>
+    </p:spTree>
+  </p:cSld>
+  <p:clrMapOvr>
+    <a:masterClrMapping/>
+  </p:clrMapOvr>
+  <p:transition xmlns:p14="http://schemas.microsoft.com/office/powerpoint/2010/main" spd="med" advClick="1"/>
+</p:sld>
+</file>
+
+<file path=ppt/slides/slide4.xml><?xml version="1.0" encoding="utf-8"?>
+<p:sld xmlns:a="http://schemas.openxmlformats.org/drawingml/2006/main" xmlns:r="http://schemas.openxmlformats.org/officeDocument/2006/relationships" xmlns:p="http://schemas.openxmlformats.org/presentationml/2006/main" showMasterSp="1" showMasterPhAnim="1">
+  <p:cSld>
+    <p:spTree>
+      <p:nvGrpSpPr>
+        <p:cNvPr id="1" name=""/>
+        <p:cNvGrpSpPr/>
+        <p:nvPr/>
+      </p:nvGrpSpPr>
+      <p:grpSpPr>
+        <a:xfrm>
+          <a:off x="0" y="0"/>
+          <a:ext cx="0" cy="0"/>
+          <a:chOff x="0" y="0"/>
+          <a:chExt cx="0" cy="0"/>
+        </a:xfrm>
+      </p:grpSpPr>
+      <p:sp>
+        <p:nvSpPr>
+          <p:cNvPr id="122" name="Open Discussion"/>
+          <p:cNvSpPr txBox="1"/>
+          <p:nvPr>
+            <p:ph type="title"/>
+          </p:nvPr>
+        </p:nvSpPr>
+        <p:spPr>
+          <a:prstGeom prst="rect">
+            <a:avLst/>
+          </a:prstGeom>
+        </p:spPr>
+        <p:txBody>
+          <a:bodyPr/>
+          <a:lstStyle/>
+          <a:p>
+            <a:pPr/>
+            <a:r>
+              <a:t>Open Discussion</a:t>
+            </a:r>
+          </a:p>
+        </p:txBody>
+      </p:sp>
+      <p:sp>
+        <p:nvSpPr>
+          <p:cNvPr id="123" name="Evaluate and criticize each others’ work…"/>
+          <p:cNvSpPr txBox="1"/>
+          <p:nvPr>
+            <p:ph type="body" idx="1"/>
+          </p:nvPr>
+        </p:nvSpPr>
+        <p:spPr>
+          <a:prstGeom prst="rect">
+            <a:avLst/>
+          </a:prstGeom>
+        </p:spPr>
+        <p:txBody>
+          <a:bodyPr/>
+          <a:lstStyle/>
+          <a:p>
+            <a:pPr/>
+            <a:r>
+              <a:t>Evaluate and criticize each others’ work</a:t>
+            </a:r>
+          </a:p>
+          <a:p>
+            <a:pPr/>
+            <a:r>
+              <a:t>Looking back: what would you have done differently?</a:t>
+            </a:r>
+          </a:p>
+          <a:p>
+            <a:pPr/>
+            <a:r>
+              <a:t>Looking forward: how will you use the lessons of this course in your work?</a:t>
+            </a:r>
+          </a:p>
+          <a:p>
+            <a:pPr/>
+            <a:r>
+              <a:t>Feedback: what was missing or unexplained in the course? What would you ask to be added for future students?</a:t>
+            </a:r>
+          </a:p>
+        </p:txBody>
+      </p:sp>
     </p:spTree>
   </p:cSld>
   <p:clrMapOvr>
